--- a/Doc/5gSmallCellResearchAlg_L1.pptx
+++ b/Doc/5gSmallCellResearchAlg_L1.pptx
@@ -238,7 +238,7 @@
             <a:pPr rtl="0"/>
             <a:fld id="{190098C1-0776-4557-9D46-1B787E688456}" type="datetime1">
               <a:rPr lang="zh-CN" altLang="en-US" smtClean="0"/>
-              <a:t>2024/12/9</a:t>
+              <a:t>2024/12/20</a:t>
             </a:fld>
             <a:endParaRPr lang="en-US"/>
           </a:p>
@@ -408,7 +408,7 @@
             <a:pPr rtl="0"/>
             <a:fld id="{3FF446B9-0BA7-440C-9491-EFEE44B7DCB7}" type="datetime1">
               <a:rPr lang="zh-CN" altLang="en-US" smtClean="0"/>
-              <a:t>2024/12/9</a:t>
+              <a:t>2024/12/20</a:t>
             </a:fld>
             <a:endParaRPr lang="en-US"/>
           </a:p>
@@ -747,7 +747,7 @@
             <a:pPr rtl="0"/>
             <a:fld id="{3FF446B9-0BA7-440C-9491-EFEE44B7DCB7}" type="datetime1">
               <a:rPr lang="zh-CN" altLang="en-US" smtClean="0"/>
-              <a:t>2024/12/9</a:t>
+              <a:t>2024/12/20</a:t>
             </a:fld>
             <a:endParaRPr lang="en-US"/>
           </a:p>
@@ -856,7 +856,7 @@
             <a:pPr rtl="0"/>
             <a:fld id="{3FF446B9-0BA7-440C-9491-EFEE44B7DCB7}" type="datetime1">
               <a:rPr lang="zh-CN" altLang="en-US" smtClean="0"/>
-              <a:t>2024/12/9</a:t>
+              <a:t>2024/12/20</a:t>
             </a:fld>
             <a:endParaRPr lang="en-US"/>
           </a:p>
@@ -1087,7 +1087,7 @@
             <a:pPr rtl="0"/>
             <a:fld id="{6D8E8BE3-72DE-4BA9-940E-B3214E2A4FBC}" type="datetime1">
               <a:rPr lang="zh-CN" altLang="en-US" smtClean="0"/>
-              <a:t>2024/12/9</a:t>
+              <a:t>2024/12/20</a:t>
             </a:fld>
             <a:endParaRPr lang="en-US" dirty="0"/>
           </a:p>
@@ -1397,7 +1397,7 @@
             <a:pPr rtl="0"/>
             <a:fld id="{A5A75C24-54DF-4A37-B566-5D4504915616}" type="datetime1">
               <a:rPr lang="zh-CN" altLang="en-US" smtClean="0"/>
-              <a:t>2024/12/9</a:t>
+              <a:t>2024/12/20</a:t>
             </a:fld>
             <a:endParaRPr lang="en-US" dirty="0"/>
           </a:p>
@@ -1595,7 +1595,7 @@
             <a:pPr rtl="0"/>
             <a:fld id="{93DB8EFA-D326-482A-835B-35244CC8D335}" type="datetime1">
               <a:rPr lang="zh-CN" altLang="en-US" smtClean="0"/>
-              <a:t>2024/12/9</a:t>
+              <a:t>2024/12/20</a:t>
             </a:fld>
             <a:endParaRPr lang="en-US" dirty="0"/>
           </a:p>
@@ -1862,7 +1862,7 @@
             <a:pPr rtl="0"/>
             <a:fld id="{8E4DE457-3CDB-46E6-BCC2-0DB87A7AB97D}" type="datetime1">
               <a:rPr lang="zh-CN" altLang="en-US" smtClean="0"/>
-              <a:t>2024/12/9</a:t>
+              <a:t>2024/12/20</a:t>
             </a:fld>
             <a:endParaRPr lang="en-US" dirty="0"/>
           </a:p>
@@ -2302,7 +2302,7 @@
             <a:pPr rtl="0"/>
             <a:fld id="{6C5E2E9F-6F2A-4603-A42F-23C3B9EC2542}" type="datetime1">
               <a:rPr lang="zh-CN" altLang="en-US" smtClean="0"/>
-              <a:t>2024/12/9</a:t>
+              <a:t>2024/12/20</a:t>
             </a:fld>
             <a:endParaRPr lang="en-US" dirty="0"/>
           </a:p>
@@ -2843,7 +2843,7 @@
             <a:pPr rtl="0"/>
             <a:fld id="{48AAD336-3C25-4874-9EA7-D9A8F29C3DE6}" type="datetime1">
               <a:rPr lang="zh-CN" altLang="en-US" smtClean="0"/>
-              <a:t>2024/12/9</a:t>
+              <a:t>2024/12/20</a:t>
             </a:fld>
             <a:endParaRPr lang="en-US" dirty="0"/>
           </a:p>
@@ -3732,7 +3732,7 @@
             <a:pPr rtl="0"/>
             <a:fld id="{385ADDF4-C7DF-4425-A02C-99D8158E8998}" type="datetime1">
               <a:rPr lang="zh-CN" altLang="en-US" smtClean="0"/>
-              <a:t>2024/12/9</a:t>
+              <a:t>2024/12/20</a:t>
             </a:fld>
             <a:endParaRPr lang="en-US" dirty="0"/>
           </a:p>
@@ -3906,7 +3906,7 @@
             <a:pPr rtl="0"/>
             <a:fld id="{CEE115FF-7F57-454B-BC07-3D5B5B3B2E36}" type="datetime1">
               <a:rPr lang="zh-CN" altLang="en-US" smtClean="0"/>
-              <a:t>2024/12/9</a:t>
+              <a:t>2024/12/20</a:t>
             </a:fld>
             <a:endParaRPr lang="en-US" dirty="0"/>
           </a:p>
@@ -4094,7 +4094,7 @@
             <a:pPr rtl="0"/>
             <a:fld id="{0CC76A30-68C3-4742-871E-C4BFB5BF037D}" type="datetime1">
               <a:rPr lang="zh-CN" altLang="en-US" smtClean="0"/>
-              <a:t>2024/12/9</a:t>
+              <a:t>2024/12/20</a:t>
             </a:fld>
             <a:endParaRPr lang="en-US" dirty="0"/>
           </a:p>
@@ -4268,7 +4268,7 @@
             <a:pPr rtl="0"/>
             <a:fld id="{74761884-1233-44DE-95EA-687917CD0720}" type="datetime1">
               <a:rPr lang="zh-CN" altLang="en-US" smtClean="0"/>
-              <a:t>2024/12/9</a:t>
+              <a:t>2024/12/20</a:t>
             </a:fld>
             <a:endParaRPr lang="en-US" dirty="0"/>
           </a:p>
@@ -4516,7 +4516,7 @@
             <a:pPr rtl="0"/>
             <a:fld id="{0DDD9908-788A-4C9F-9B82-38760DCE99A2}" type="datetime1">
               <a:rPr lang="zh-CN" altLang="en-US" smtClean="0"/>
-              <a:t>2024/12/9</a:t>
+              <a:t>2024/12/20</a:t>
             </a:fld>
             <a:endParaRPr lang="en-US" dirty="0"/>
           </a:p>
@@ -4762,7 +4762,7 @@
             <a:pPr rtl="0"/>
             <a:fld id="{BB8F8C3A-E456-4019-B9D3-D27A657A074F}" type="datetime1">
               <a:rPr lang="zh-CN" altLang="en-US" smtClean="0"/>
-              <a:t>2024/12/9</a:t>
+              <a:t>2024/12/20</a:t>
             </a:fld>
             <a:endParaRPr lang="en-US" dirty="0"/>
           </a:p>
@@ -5249,7 +5249,7 @@
             <a:pPr rtl="0"/>
             <a:fld id="{565907AA-E66F-456D-8ABA-1CC838498840}" type="datetime1">
               <a:rPr lang="zh-CN" altLang="en-US" smtClean="0"/>
-              <a:t>2024/12/9</a:t>
+              <a:t>2024/12/20</a:t>
             </a:fld>
             <a:endParaRPr lang="en-US" dirty="0"/>
           </a:p>
@@ -5371,7 +5371,7 @@
             <a:pPr rtl="0"/>
             <a:fld id="{D4C15656-9C52-4530-B9B0-471CBD4A032C}" type="datetime1">
               <a:rPr lang="zh-CN" altLang="en-US" smtClean="0"/>
-              <a:t>2024/12/9</a:t>
+              <a:t>2024/12/20</a:t>
             </a:fld>
             <a:endParaRPr lang="en-US" dirty="0"/>
           </a:p>
@@ -5469,7 +5469,7 @@
             <a:pPr rtl="0"/>
             <a:fld id="{E73893B8-6395-4039-AAC4-F8E54DB39C70}" type="datetime1">
               <a:rPr lang="zh-CN" altLang="en-US" smtClean="0"/>
-              <a:t>2024/12/9</a:t>
+              <a:t>2024/12/20</a:t>
             </a:fld>
             <a:endParaRPr lang="en-US" dirty="0"/>
           </a:p>
@@ -5728,7 +5728,7 @@
             <a:pPr rtl="0"/>
             <a:fld id="{6B1F0827-5F6F-49F9-9E39-E700438688FE}" type="datetime1">
               <a:rPr lang="zh-CN" altLang="en-US" smtClean="0"/>
-              <a:t>2024/12/9</a:t>
+              <a:t>2024/12/20</a:t>
             </a:fld>
             <a:endParaRPr lang="en-US" dirty="0"/>
           </a:p>
@@ -6040,7 +6040,7 @@
             <a:pPr rtl="0"/>
             <a:fld id="{C4D902FE-1817-4BA0-AB93-2732E2F941ED}" type="datetime1">
               <a:rPr lang="zh-CN" altLang="en-US" smtClean="0"/>
-              <a:t>2024/12/9</a:t>
+              <a:t>2024/12/20</a:t>
             </a:fld>
             <a:endParaRPr lang="en-US" dirty="0"/>
           </a:p>
@@ -6279,7 +6279,7 @@
           <a:p>
             <a:fld id="{B4EFF9AB-85BE-4B1F-BA1B-A157C8C43628}" type="datetime1">
               <a:rPr lang="zh-CN" altLang="en-US" smtClean="0"/>
-              <a:t>2024/12/9</a:t>
+              <a:t>2024/12/20</a:t>
             </a:fld>
             <a:endParaRPr lang="en-US" dirty="0"/>
           </a:p>
@@ -18288,7 +18288,7 @@
                 <a:latin typeface="+mj-lt"/>
                 <a:cs typeface="Times New Roman" panose="02020603050405020304" pitchFamily="18" charset="0"/>
               </a:rPr>
-              <a:t>Directory - UL</a:t>
+              <a:t>Case directory - UL</a:t>
             </a:r>
             <a:endParaRPr lang="zh-CN" altLang="en-US" dirty="0">
               <a:latin typeface="+mj-lt"/>
@@ -18403,11 +18403,18 @@
           <a:lstStyle/>
           <a:p>
             <a:r>
+              <a:rPr lang="en-US" altLang="zh-CN">
+                <a:latin typeface="+mj-lt"/>
+                <a:cs typeface="Times New Roman" panose="02020603050405020304" pitchFamily="18" charset="0"/>
+              </a:rPr>
+              <a:t>Case directory </a:t>
+            </a:r>
+            <a:r>
               <a:rPr lang="en-US" altLang="zh-CN" dirty="0">
                 <a:latin typeface="+mj-lt"/>
                 <a:cs typeface="Times New Roman" panose="02020603050405020304" pitchFamily="18" charset="0"/>
               </a:rPr>
-              <a:t>Directory - DL</a:t>
+              <a:t>- DL</a:t>
             </a:r>
             <a:endParaRPr lang="zh-CN" altLang="en-US" dirty="0">
               <a:latin typeface="+mj-lt"/>
